--- a/Instructions/Instructions TMT.pptx
+++ b/Instructions/Instructions TMT.pptx
@@ -18,7 +18,8 @@
     <p:sldId id="269" r:id="rId12"/>
     <p:sldId id="270" r:id="rId13"/>
     <p:sldId id="264" r:id="rId14"/>
-    <p:sldId id="263" r:id="rId15"/>
+    <p:sldId id="271" r:id="rId15"/>
+    <p:sldId id="263" r:id="rId16"/>
   </p:sldIdLst>
   <p:sldSz cx="12192000" cy="6858000"/>
   <p:notesSz cx="6858000" cy="9144000"/>
@@ -123,6 +124,147 @@
     </p:ext>
   </p:extLst>
 </p:presentation>
+</file>
+
+<file path=ppt/revisionInfo.xml><?xml version="1.0" encoding="utf-8"?>
+<p1510:revInfo xmlns:a="http://schemas.openxmlformats.org/drawingml/2006/main" xmlns:r="http://schemas.openxmlformats.org/officeDocument/2006/relationships" xmlns:p1510="http://schemas.microsoft.com/office/powerpoint/2015/10/main">
+  <p1510:revLst>
+    <p1510:client id="{B06AB655-ED96-42F7-81A5-3FA4EEA9280C}" v="1" dt="2022-11-17T23:33:33.060"/>
+  </p1510:revLst>
+</p1510:revInfo>
+</file>
+
+<file path=ppt/changesInfos/changesInfo1.xml><?xml version="1.0" encoding="utf-8"?>
+<pc:chgInfo xmlns:a="http://schemas.openxmlformats.org/drawingml/2006/main" xmlns:r="http://schemas.openxmlformats.org/officeDocument/2006/relationships" xmlns:ac="http://schemas.microsoft.com/office/drawing/2013/main/command" xmlns:pc="http://schemas.microsoft.com/office/powerpoint/2013/main/command">
+  <pc:docChgLst>
+    <pc:chgData name="Emil Olsson" userId="08e0e864-53bd-4ac7-adbc-87c224aa86a6" providerId="ADAL" clId="{B06AB655-ED96-42F7-81A5-3FA4EEA9280C}"/>
+    <pc:docChg chg="undo custSel addSld modSld">
+      <pc:chgData name="Emil Olsson" userId="08e0e864-53bd-4ac7-adbc-87c224aa86a6" providerId="ADAL" clId="{B06AB655-ED96-42F7-81A5-3FA4EEA9280C}" dt="2022-11-17T23:50:02.199" v="324" actId="14100"/>
+      <pc:docMkLst>
+        <pc:docMk/>
+      </pc:docMkLst>
+      <pc:sldChg chg="addSp delSp modSp add mod">
+        <pc:chgData name="Emil Olsson" userId="08e0e864-53bd-4ac7-adbc-87c224aa86a6" providerId="ADAL" clId="{B06AB655-ED96-42F7-81A5-3FA4EEA9280C}" dt="2022-11-17T23:50:02.199" v="324" actId="14100"/>
+        <pc:sldMkLst>
+          <pc:docMk/>
+          <pc:sldMk cId="2490520431" sldId="271"/>
+        </pc:sldMkLst>
+        <pc:spChg chg="mod">
+          <ac:chgData name="Emil Olsson" userId="08e0e864-53bd-4ac7-adbc-87c224aa86a6" providerId="ADAL" clId="{B06AB655-ED96-42F7-81A5-3FA4EEA9280C}" dt="2022-11-17T23:47:43.735" v="279" actId="2711"/>
+          <ac:spMkLst>
+            <pc:docMk/>
+            <pc:sldMk cId="2490520431" sldId="271"/>
+            <ac:spMk id="2" creationId="{5C881BD5-8F98-46AC-93F1-C01E5D32D54C}"/>
+          </ac:spMkLst>
+        </pc:spChg>
+        <pc:spChg chg="mod">
+          <ac:chgData name="Emil Olsson" userId="08e0e864-53bd-4ac7-adbc-87c224aa86a6" providerId="ADAL" clId="{B06AB655-ED96-42F7-81A5-3FA4EEA9280C}" dt="2022-11-17T23:47:43.735" v="279" actId="2711"/>
+          <ac:spMkLst>
+            <pc:docMk/>
+            <pc:sldMk cId="2490520431" sldId="271"/>
+            <ac:spMk id="3" creationId="{CA0C95D2-BE62-4BAC-A207-1E7971905160}"/>
+          </ac:spMkLst>
+        </pc:spChg>
+        <pc:spChg chg="mod">
+          <ac:chgData name="Emil Olsson" userId="08e0e864-53bd-4ac7-adbc-87c224aa86a6" providerId="ADAL" clId="{B06AB655-ED96-42F7-81A5-3FA4EEA9280C}" dt="2022-11-17T23:47:58.351" v="287" actId="20577"/>
+          <ac:spMkLst>
+            <pc:docMk/>
+            <pc:sldMk cId="2490520431" sldId="271"/>
+            <ac:spMk id="6" creationId="{45C56F52-C6EF-461C-909E-159307D20BA9}"/>
+          </ac:spMkLst>
+        </pc:spChg>
+        <pc:spChg chg="mod">
+          <ac:chgData name="Emil Olsson" userId="08e0e864-53bd-4ac7-adbc-87c224aa86a6" providerId="ADAL" clId="{B06AB655-ED96-42F7-81A5-3FA4EEA9280C}" dt="2022-11-17T23:47:43.735" v="279" actId="2711"/>
+          <ac:spMkLst>
+            <pc:docMk/>
+            <pc:sldMk cId="2490520431" sldId="271"/>
+            <ac:spMk id="9" creationId="{D742F2D0-C9CC-4E35-914E-268A788FB918}"/>
+          </ac:spMkLst>
+        </pc:spChg>
+        <pc:spChg chg="mod">
+          <ac:chgData name="Emil Olsson" userId="08e0e864-53bd-4ac7-adbc-87c224aa86a6" providerId="ADAL" clId="{B06AB655-ED96-42F7-81A5-3FA4EEA9280C}" dt="2022-11-17T23:47:43.735" v="279" actId="2711"/>
+          <ac:spMkLst>
+            <pc:docMk/>
+            <pc:sldMk cId="2490520431" sldId="271"/>
+            <ac:spMk id="11" creationId="{DA929700-D333-4CF5-ADE2-C95AC39F0F72}"/>
+          </ac:spMkLst>
+        </pc:spChg>
+        <pc:spChg chg="mod">
+          <ac:chgData name="Emil Olsson" userId="08e0e864-53bd-4ac7-adbc-87c224aa86a6" providerId="ADAL" clId="{B06AB655-ED96-42F7-81A5-3FA4EEA9280C}" dt="2022-11-17T23:48:09.376" v="312" actId="20577"/>
+          <ac:spMkLst>
+            <pc:docMk/>
+            <pc:sldMk cId="2490520431" sldId="271"/>
+            <ac:spMk id="12" creationId="{440C1165-1CDB-41AA-B4F2-F6A60CE02254}"/>
+          </ac:spMkLst>
+        </pc:spChg>
+        <pc:spChg chg="del mod">
+          <ac:chgData name="Emil Olsson" userId="08e0e864-53bd-4ac7-adbc-87c224aa86a6" providerId="ADAL" clId="{B06AB655-ED96-42F7-81A5-3FA4EEA9280C}" dt="2022-11-17T23:49:20.230" v="316" actId="478"/>
+          <ac:spMkLst>
+            <pc:docMk/>
+            <pc:sldMk cId="2490520431" sldId="271"/>
+            <ac:spMk id="18" creationId="{D05B553F-1F35-4A39-9501-2A704F960EBD}"/>
+          </ac:spMkLst>
+        </pc:spChg>
+        <pc:spChg chg="del mod">
+          <ac:chgData name="Emil Olsson" userId="08e0e864-53bd-4ac7-adbc-87c224aa86a6" providerId="ADAL" clId="{B06AB655-ED96-42F7-81A5-3FA4EEA9280C}" dt="2022-11-17T23:49:20.230" v="316" actId="478"/>
+          <ac:spMkLst>
+            <pc:docMk/>
+            <pc:sldMk cId="2490520431" sldId="271"/>
+            <ac:spMk id="19" creationId="{A450F0F4-5F24-4E0B-84B5-DC46DE923A4A}"/>
+          </ac:spMkLst>
+        </pc:spChg>
+        <pc:spChg chg="del mod">
+          <ac:chgData name="Emil Olsson" userId="08e0e864-53bd-4ac7-adbc-87c224aa86a6" providerId="ADAL" clId="{B06AB655-ED96-42F7-81A5-3FA4EEA9280C}" dt="2022-11-17T23:49:20.230" v="316" actId="478"/>
+          <ac:spMkLst>
+            <pc:docMk/>
+            <pc:sldMk cId="2490520431" sldId="271"/>
+            <ac:spMk id="20" creationId="{648C248E-FD00-45D5-A0DF-AB04BDABF1A6}"/>
+          </ac:spMkLst>
+        </pc:spChg>
+        <pc:picChg chg="add mod">
+          <ac:chgData name="Emil Olsson" userId="08e0e864-53bd-4ac7-adbc-87c224aa86a6" providerId="ADAL" clId="{B06AB655-ED96-42F7-81A5-3FA4EEA9280C}" dt="2022-11-17T23:50:02.199" v="324" actId="14100"/>
+          <ac:picMkLst>
+            <pc:docMk/>
+            <pc:sldMk cId="2490520431" sldId="271"/>
+            <ac:picMk id="7" creationId="{111A3C48-B591-AFE0-C591-68FCC6878A5C}"/>
+          </ac:picMkLst>
+        </pc:picChg>
+        <pc:inkChg chg="del">
+          <ac:chgData name="Emil Olsson" userId="08e0e864-53bd-4ac7-adbc-87c224aa86a6" providerId="ADAL" clId="{B06AB655-ED96-42F7-81A5-3FA4EEA9280C}" dt="2022-11-17T23:49:20.230" v="316" actId="478"/>
+          <ac:inkMkLst>
+            <pc:docMk/>
+            <pc:sldMk cId="2490520431" sldId="271"/>
+            <ac:inkMk id="14" creationId="{FC93DF4D-1661-4F4F-9B56-2C2E588BF94B}"/>
+          </ac:inkMkLst>
+        </pc:inkChg>
+        <pc:inkChg chg="del">
+          <ac:chgData name="Emil Olsson" userId="08e0e864-53bd-4ac7-adbc-87c224aa86a6" providerId="ADAL" clId="{B06AB655-ED96-42F7-81A5-3FA4EEA9280C}" dt="2022-11-17T23:49:20.230" v="316" actId="478"/>
+          <ac:inkMkLst>
+            <pc:docMk/>
+            <pc:sldMk cId="2490520431" sldId="271"/>
+            <ac:inkMk id="15" creationId="{EEBFA224-286E-4828-9EB0-A34293B72DBC}"/>
+          </ac:inkMkLst>
+        </pc:inkChg>
+        <pc:inkChg chg="del">
+          <ac:chgData name="Emil Olsson" userId="08e0e864-53bd-4ac7-adbc-87c224aa86a6" providerId="ADAL" clId="{B06AB655-ED96-42F7-81A5-3FA4EEA9280C}" dt="2022-11-17T23:49:20.230" v="316" actId="478"/>
+          <ac:inkMkLst>
+            <pc:docMk/>
+            <pc:sldMk cId="2490520431" sldId="271"/>
+            <ac:inkMk id="16" creationId="{989277D8-E027-48CD-8E0D-CF04D52A7D8F}"/>
+          </ac:inkMkLst>
+        </pc:inkChg>
+        <pc:inkChg chg="del">
+          <ac:chgData name="Emil Olsson" userId="08e0e864-53bd-4ac7-adbc-87c224aa86a6" providerId="ADAL" clId="{B06AB655-ED96-42F7-81A5-3FA4EEA9280C}" dt="2022-11-17T23:49:20.230" v="316" actId="478"/>
+          <ac:inkMkLst>
+            <pc:docMk/>
+            <pc:sldMk cId="2490520431" sldId="271"/>
+            <ac:inkMk id="17" creationId="{9AC0827B-9932-4BA6-8756-4C25746F2259}"/>
+          </ac:inkMkLst>
+        </pc:inkChg>
+      </pc:sldChg>
+    </pc:docChg>
+  </pc:docChgLst>
+</pc:chgInfo>
 </file>
 
 <file path=ppt/ink/ink1.xml><?xml version="1.0" encoding="utf-8"?>
@@ -722,7 +864,7 @@
           <a:p>
             <a:fld id="{FEC6D167-6F7F-429F-88DF-93125CF54950}" type="datetimeFigureOut">
               <a:rPr lang="LID4096" smtClean="0"/>
-              <a:t>11/17/2021</a:t>
+              <a:t>11/18/2022</a:t>
             </a:fld>
             <a:endParaRPr lang="LID4096"/>
           </a:p>
@@ -922,7 +1064,7 @@
           <a:p>
             <a:fld id="{FEC6D167-6F7F-429F-88DF-93125CF54950}" type="datetimeFigureOut">
               <a:rPr lang="LID4096" smtClean="0"/>
-              <a:t>11/17/2021</a:t>
+              <a:t>11/18/2022</a:t>
             </a:fld>
             <a:endParaRPr lang="LID4096"/>
           </a:p>
@@ -1132,7 +1274,7 @@
           <a:p>
             <a:fld id="{FEC6D167-6F7F-429F-88DF-93125CF54950}" type="datetimeFigureOut">
               <a:rPr lang="LID4096" smtClean="0"/>
-              <a:t>11/17/2021</a:t>
+              <a:t>11/18/2022</a:t>
             </a:fld>
             <a:endParaRPr lang="LID4096"/>
           </a:p>
@@ -1332,7 +1474,7 @@
           <a:p>
             <a:fld id="{FEC6D167-6F7F-429F-88DF-93125CF54950}" type="datetimeFigureOut">
               <a:rPr lang="LID4096" smtClean="0"/>
-              <a:t>11/17/2021</a:t>
+              <a:t>11/18/2022</a:t>
             </a:fld>
             <a:endParaRPr lang="LID4096"/>
           </a:p>
@@ -1608,7 +1750,7 @@
           <a:p>
             <a:fld id="{FEC6D167-6F7F-429F-88DF-93125CF54950}" type="datetimeFigureOut">
               <a:rPr lang="LID4096" smtClean="0"/>
-              <a:t>11/17/2021</a:t>
+              <a:t>11/18/2022</a:t>
             </a:fld>
             <a:endParaRPr lang="LID4096"/>
           </a:p>
@@ -1876,7 +2018,7 @@
           <a:p>
             <a:fld id="{FEC6D167-6F7F-429F-88DF-93125CF54950}" type="datetimeFigureOut">
               <a:rPr lang="LID4096" smtClean="0"/>
-              <a:t>11/17/2021</a:t>
+              <a:t>11/18/2022</a:t>
             </a:fld>
             <a:endParaRPr lang="LID4096"/>
           </a:p>
@@ -2291,7 +2433,7 @@
           <a:p>
             <a:fld id="{FEC6D167-6F7F-429F-88DF-93125CF54950}" type="datetimeFigureOut">
               <a:rPr lang="LID4096" smtClean="0"/>
-              <a:t>11/17/2021</a:t>
+              <a:t>11/18/2022</a:t>
             </a:fld>
             <a:endParaRPr lang="LID4096"/>
           </a:p>
@@ -2433,7 +2575,7 @@
           <a:p>
             <a:fld id="{FEC6D167-6F7F-429F-88DF-93125CF54950}" type="datetimeFigureOut">
               <a:rPr lang="LID4096" smtClean="0"/>
-              <a:t>11/17/2021</a:t>
+              <a:t>11/18/2022</a:t>
             </a:fld>
             <a:endParaRPr lang="LID4096"/>
           </a:p>
@@ -2546,7 +2688,7 @@
           <a:p>
             <a:fld id="{FEC6D167-6F7F-429F-88DF-93125CF54950}" type="datetimeFigureOut">
               <a:rPr lang="LID4096" smtClean="0"/>
-              <a:t>11/17/2021</a:t>
+              <a:t>11/18/2022</a:t>
             </a:fld>
             <a:endParaRPr lang="LID4096"/>
           </a:p>
@@ -2859,7 +3001,7 @@
           <a:p>
             <a:fld id="{FEC6D167-6F7F-429F-88DF-93125CF54950}" type="datetimeFigureOut">
               <a:rPr lang="LID4096" smtClean="0"/>
-              <a:t>11/17/2021</a:t>
+              <a:t>11/18/2022</a:t>
             </a:fld>
             <a:endParaRPr lang="LID4096"/>
           </a:p>
@@ -3148,7 +3290,7 @@
           <a:p>
             <a:fld id="{FEC6D167-6F7F-429F-88DF-93125CF54950}" type="datetimeFigureOut">
               <a:rPr lang="LID4096" smtClean="0"/>
-              <a:t>11/17/2021</a:t>
+              <a:t>11/18/2022</a:t>
             </a:fld>
             <a:endParaRPr lang="LID4096"/>
           </a:p>
@@ -3391,7 +3533,7 @@
           <a:p>
             <a:fld id="{FEC6D167-6F7F-429F-88DF-93125CF54950}" type="datetimeFigureOut">
               <a:rPr lang="LID4096" smtClean="0"/>
-              <a:t>11/17/2021</a:t>
+              <a:t>11/18/2022</a:t>
             </a:fld>
             <a:endParaRPr lang="LID4096"/>
           </a:p>
@@ -5761,8 +5903,8 @@
           </a:prstGeom>
         </p:spPr>
       </p:pic>
-      <mc:AlternateContent xmlns:mc="http://schemas.openxmlformats.org/markup-compatibility/2006">
-        <mc:Choice xmlns:p14="http://schemas.microsoft.com/office/powerpoint/2010/main" Requires="p14">
+      <mc:AlternateContent xmlns:mc="http://schemas.openxmlformats.org/markup-compatibility/2006" xmlns:p14="http://schemas.microsoft.com/office/powerpoint/2010/main">
+        <mc:Choice Requires="p14">
           <p:contentPart p14:bwMode="auto" r:id="rId4">
             <p14:nvContentPartPr>
               <p14:cNvPr id="21" name="Ink 20">
@@ -5781,7 +5923,7 @@
             </p14:xfrm>
           </p:contentPart>
         </mc:Choice>
-        <mc:Fallback>
+        <mc:Fallback xmlns="">
           <p:pic>
             <p:nvPicPr>
               <p:cNvPr id="21" name="Ink 20">
@@ -5812,8 +5954,8 @@
           </p:pic>
         </mc:Fallback>
       </mc:AlternateContent>
-      <mc:AlternateContent xmlns:mc="http://schemas.openxmlformats.org/markup-compatibility/2006">
-        <mc:Choice xmlns:p14="http://schemas.microsoft.com/office/powerpoint/2010/main" Requires="p14">
+      <mc:AlternateContent xmlns:mc="http://schemas.openxmlformats.org/markup-compatibility/2006" xmlns:p14="http://schemas.microsoft.com/office/powerpoint/2010/main">
+        <mc:Choice Requires="p14">
           <p:contentPart p14:bwMode="auto" r:id="rId6">
             <p14:nvContentPartPr>
               <p14:cNvPr id="22" name="Ink 21">
@@ -5832,7 +5974,7 @@
             </p14:xfrm>
           </p:contentPart>
         </mc:Choice>
-        <mc:Fallback>
+        <mc:Fallback xmlns="">
           <p:pic>
             <p:nvPicPr>
               <p:cNvPr id="22" name="Ink 21">
@@ -5863,8 +6005,8 @@
           </p:pic>
         </mc:Fallback>
       </mc:AlternateContent>
-      <mc:AlternateContent xmlns:mc="http://schemas.openxmlformats.org/markup-compatibility/2006">
-        <mc:Choice xmlns:p14="http://schemas.microsoft.com/office/powerpoint/2010/main" Requires="p14">
+      <mc:AlternateContent xmlns:mc="http://schemas.openxmlformats.org/markup-compatibility/2006" xmlns:p14="http://schemas.microsoft.com/office/powerpoint/2010/main">
+        <mc:Choice Requires="p14">
           <p:contentPart p14:bwMode="auto" r:id="rId8">
             <p14:nvContentPartPr>
               <p14:cNvPr id="23" name="Ink 22">
@@ -5883,7 +6025,7 @@
             </p14:xfrm>
           </p:contentPart>
         </mc:Choice>
-        <mc:Fallback>
+        <mc:Fallback xmlns="">
           <p:pic>
             <p:nvPicPr>
               <p:cNvPr id="23" name="Ink 22">
@@ -5914,8 +6056,8 @@
           </p:pic>
         </mc:Fallback>
       </mc:AlternateContent>
-      <mc:AlternateContent xmlns:mc="http://schemas.openxmlformats.org/markup-compatibility/2006">
-        <mc:Choice xmlns:p14="http://schemas.microsoft.com/office/powerpoint/2010/main" Requires="p14">
+      <mc:AlternateContent xmlns:mc="http://schemas.openxmlformats.org/markup-compatibility/2006" xmlns:p14="http://schemas.microsoft.com/office/powerpoint/2010/main">
+        <mc:Choice Requires="p14">
           <p:contentPart p14:bwMode="auto" r:id="rId10">
             <p14:nvContentPartPr>
               <p14:cNvPr id="24" name="Ink 23">
@@ -5934,7 +6076,7 @@
             </p14:xfrm>
           </p:contentPart>
         </mc:Choice>
-        <mc:Fallback>
+        <mc:Fallback xmlns="">
           <p:pic>
             <p:nvPicPr>
               <p:cNvPr id="24" name="Ink 23">
@@ -6556,8 +6698,8 @@
           </a:prstGeom>
         </p:spPr>
       </p:pic>
-      <mc:AlternateContent xmlns:mc="http://schemas.openxmlformats.org/markup-compatibility/2006">
-        <mc:Choice xmlns:p14="http://schemas.microsoft.com/office/powerpoint/2010/main" Requires="p14">
+      <mc:AlternateContent xmlns:mc="http://schemas.openxmlformats.org/markup-compatibility/2006" xmlns:p14="http://schemas.microsoft.com/office/powerpoint/2010/main">
+        <mc:Choice Requires="p14">
           <p:contentPart p14:bwMode="auto" r:id="rId4">
             <p14:nvContentPartPr>
               <p14:cNvPr id="14" name="Ink 13">
@@ -6576,7 +6718,7 @@
             </p14:xfrm>
           </p:contentPart>
         </mc:Choice>
-        <mc:Fallback>
+        <mc:Fallback xmlns="">
           <p:pic>
             <p:nvPicPr>
               <p:cNvPr id="14" name="Ink 13">
@@ -6607,8 +6749,8 @@
           </p:pic>
         </mc:Fallback>
       </mc:AlternateContent>
-      <mc:AlternateContent xmlns:mc="http://schemas.openxmlformats.org/markup-compatibility/2006">
-        <mc:Choice xmlns:p14="http://schemas.microsoft.com/office/powerpoint/2010/main" Requires="p14">
+      <mc:AlternateContent xmlns:mc="http://schemas.openxmlformats.org/markup-compatibility/2006" xmlns:p14="http://schemas.microsoft.com/office/powerpoint/2010/main">
+        <mc:Choice Requires="p14">
           <p:contentPart p14:bwMode="auto" r:id="rId6">
             <p14:nvContentPartPr>
               <p14:cNvPr id="15" name="Ink 14">
@@ -6627,7 +6769,7 @@
             </p14:xfrm>
           </p:contentPart>
         </mc:Choice>
-        <mc:Fallback>
+        <mc:Fallback xmlns="">
           <p:pic>
             <p:nvPicPr>
               <p:cNvPr id="15" name="Ink 14">
@@ -6658,8 +6800,8 @@
           </p:pic>
         </mc:Fallback>
       </mc:AlternateContent>
-      <mc:AlternateContent xmlns:mc="http://schemas.openxmlformats.org/markup-compatibility/2006">
-        <mc:Choice xmlns:p14="http://schemas.microsoft.com/office/powerpoint/2010/main" Requires="p14">
+      <mc:AlternateContent xmlns:mc="http://schemas.openxmlformats.org/markup-compatibility/2006" xmlns:p14="http://schemas.microsoft.com/office/powerpoint/2010/main">
+        <mc:Choice Requires="p14">
           <p:contentPart p14:bwMode="auto" r:id="rId8">
             <p14:nvContentPartPr>
               <p14:cNvPr id="16" name="Ink 15">
@@ -6678,7 +6820,7 @@
             </p14:xfrm>
           </p:contentPart>
         </mc:Choice>
-        <mc:Fallback>
+        <mc:Fallback xmlns="">
           <p:pic>
             <p:nvPicPr>
               <p:cNvPr id="16" name="Ink 15">
@@ -6709,8 +6851,8 @@
           </p:pic>
         </mc:Fallback>
       </mc:AlternateContent>
-      <mc:AlternateContent xmlns:mc="http://schemas.openxmlformats.org/markup-compatibility/2006">
-        <mc:Choice xmlns:p14="http://schemas.microsoft.com/office/powerpoint/2010/main" Requires="p14">
+      <mc:AlternateContent xmlns:mc="http://schemas.openxmlformats.org/markup-compatibility/2006" xmlns:p14="http://schemas.microsoft.com/office/powerpoint/2010/main">
+        <mc:Choice Requires="p14">
           <p:contentPart p14:bwMode="auto" r:id="rId10">
             <p14:nvContentPartPr>
               <p14:cNvPr id="17" name="Ink 16">
@@ -6729,7 +6871,7 @@
             </p14:xfrm>
           </p:contentPart>
         </mc:Choice>
-        <mc:Fallback>
+        <mc:Fallback xmlns="">
           <p:pic>
             <p:nvPicPr>
               <p:cNvPr id="17" name="Ink 16">
@@ -6980,6 +7122,613 @@
 </file>
 
 <file path=ppt/slides/slide14.xml><?xml version="1.0" encoding="utf-8"?>
+<p:sld xmlns:a="http://schemas.openxmlformats.org/drawingml/2006/main" xmlns:r="http://schemas.openxmlformats.org/officeDocument/2006/relationships" xmlns:p="http://schemas.openxmlformats.org/presentationml/2006/main">
+  <p:cSld>
+    <p:spTree>
+      <p:nvGrpSpPr>
+        <p:cNvPr id="1" name=""/>
+        <p:cNvGrpSpPr/>
+        <p:nvPr/>
+      </p:nvGrpSpPr>
+      <p:grpSpPr>
+        <a:xfrm>
+          <a:off x="0" y="0"/>
+          <a:ext cx="0" cy="0"/>
+          <a:chOff x="0" y="0"/>
+          <a:chExt cx="0" cy="0"/>
+        </a:xfrm>
+      </p:grpSpPr>
+      <p:pic>
+        <p:nvPicPr>
+          <p:cNvPr id="5" name="Picture 4">
+            <a:extLst>
+              <a:ext uri="{FF2B5EF4-FFF2-40B4-BE49-F238E27FC236}">
+                <a16:creationId xmlns:a16="http://schemas.microsoft.com/office/drawing/2014/main" id="{5B460F51-7BE8-42CF-84BD-8DBAD07E64AD}"/>
+              </a:ext>
+            </a:extLst>
+          </p:cNvPr>
+          <p:cNvPicPr>
+            <a:picLocks noChangeAspect="1"/>
+          </p:cNvPicPr>
+          <p:nvPr/>
+        </p:nvPicPr>
+        <p:blipFill>
+          <a:blip r:embed="rId2"/>
+          <a:stretch>
+            <a:fillRect/>
+          </a:stretch>
+        </p:blipFill>
+        <p:spPr>
+          <a:xfrm>
+            <a:off x="2485521" y="3211318"/>
+            <a:ext cx="7220958" cy="2057687"/>
+          </a:xfrm>
+          <a:prstGeom prst="rect">
+            <a:avLst/>
+          </a:prstGeom>
+        </p:spPr>
+      </p:pic>
+      <p:sp>
+        <p:nvSpPr>
+          <p:cNvPr id="6" name="TextBox 5">
+            <a:extLst>
+              <a:ext uri="{FF2B5EF4-FFF2-40B4-BE49-F238E27FC236}">
+                <a16:creationId xmlns:a16="http://schemas.microsoft.com/office/drawing/2014/main" id="{45C56F52-C6EF-461C-909E-159307D20BA9}"/>
+              </a:ext>
+            </a:extLst>
+          </p:cNvPr>
+          <p:cNvSpPr txBox="1"/>
+          <p:nvPr/>
+        </p:nvSpPr>
+        <p:spPr>
+          <a:xfrm>
+            <a:off x="1828966" y="-26478"/>
+            <a:ext cx="8903970" cy="3293209"/>
+          </a:xfrm>
+          <a:prstGeom prst="rect">
+            <a:avLst/>
+          </a:prstGeom>
+          <a:noFill/>
+        </p:spPr>
+        <p:txBody>
+          <a:bodyPr wrap="square" rtlCol="0">
+            <a:spAutoFit/>
+          </a:bodyPr>
+          <a:lstStyle/>
+          <a:p>
+            <a:pPr algn="ctr"/>
+            <a:r>
+              <a:rPr lang="sv-SE" sz="1600" b="1" dirty="0">
+                <a:latin typeface="Times New Roman" panose="02020603050405020304" pitchFamily="18" charset="0"/>
+                <a:cs typeface="Times New Roman" panose="02020603050405020304" pitchFamily="18" charset="0"/>
+              </a:rPr>
+              <a:t>Instruktioner:</a:t>
+            </a:r>
+          </a:p>
+          <a:p>
+            <a:pPr algn="ctr"/>
+            <a:endParaRPr lang="sv-SE" sz="1600" b="1" dirty="0">
+              <a:latin typeface="Times New Roman" panose="02020603050405020304" pitchFamily="18" charset="0"/>
+              <a:cs typeface="Times New Roman" panose="02020603050405020304" pitchFamily="18" charset="0"/>
+            </a:endParaRPr>
+          </a:p>
+          <a:p>
+            <a:pPr algn="ctr"/>
+            <a:r>
+              <a:rPr lang="sv-SE" sz="1600" b="1" dirty="0">
+                <a:latin typeface="Times New Roman" panose="02020603050405020304" pitchFamily="18" charset="0"/>
+                <a:cs typeface="Times New Roman" panose="02020603050405020304" pitchFamily="18" charset="0"/>
+              </a:rPr>
+              <a:t>Du kommer att se 25 cirklar med en siffra ELLER bokstav inuti.</a:t>
+            </a:r>
+          </a:p>
+          <a:p>
+            <a:pPr algn="ctr"/>
+            <a:endParaRPr lang="sv-SE" sz="1600" b="1" dirty="0">
+              <a:latin typeface="Times New Roman" panose="02020603050405020304" pitchFamily="18" charset="0"/>
+              <a:cs typeface="Times New Roman" panose="02020603050405020304" pitchFamily="18" charset="0"/>
+            </a:endParaRPr>
+          </a:p>
+          <a:p>
+            <a:pPr algn="ctr"/>
+            <a:r>
+              <a:rPr lang="sv-SE" sz="1600" b="1" dirty="0">
+                <a:latin typeface="Times New Roman" panose="02020603050405020304" pitchFamily="18" charset="0"/>
+                <a:cs typeface="Times New Roman" panose="02020603050405020304" pitchFamily="18" charset="0"/>
+              </a:rPr>
+              <a:t>När det bara är siffror på skärmen är din uppgift är att följa cirklarna i numerisk ordning </a:t>
+            </a:r>
+          </a:p>
+          <a:p>
+            <a:pPr algn="ctr"/>
+            <a:r>
+              <a:rPr lang="sv-SE" sz="1600" b="1" dirty="0">
+                <a:latin typeface="Times New Roman" panose="02020603050405020304" pitchFamily="18" charset="0"/>
+                <a:cs typeface="Times New Roman" panose="02020603050405020304" pitchFamily="18" charset="0"/>
+              </a:rPr>
+              <a:t>(1-2-3-4...) </a:t>
+            </a:r>
+          </a:p>
+          <a:p>
+            <a:pPr algn="ctr"/>
+            <a:endParaRPr lang="sv-SE" sz="1600" b="1" dirty="0">
+              <a:latin typeface="Times New Roman" panose="02020603050405020304" pitchFamily="18" charset="0"/>
+              <a:cs typeface="Times New Roman" panose="02020603050405020304" pitchFamily="18" charset="0"/>
+            </a:endParaRPr>
+          </a:p>
+          <a:p>
+            <a:pPr algn="ctr"/>
+            <a:r>
+              <a:rPr lang="sv-SE" sz="1600" b="1" dirty="0">
+                <a:latin typeface="Times New Roman" panose="02020603050405020304" pitchFamily="18" charset="0"/>
+                <a:cs typeface="Times New Roman" panose="02020603050405020304" pitchFamily="18" charset="0"/>
+              </a:rPr>
+              <a:t>När det är siffror och bokstäver på skärmen är din uppgift följa cirklarna genom att växla mellan numerisk och alfabetisk ordning </a:t>
+            </a:r>
+          </a:p>
+          <a:p>
+            <a:pPr algn="ctr"/>
+            <a:r>
+              <a:rPr lang="sv-SE" sz="1600" b="1" dirty="0">
+                <a:latin typeface="Times New Roman" panose="02020603050405020304" pitchFamily="18" charset="0"/>
+                <a:cs typeface="Times New Roman" panose="02020603050405020304" pitchFamily="18" charset="0"/>
+              </a:rPr>
+              <a:t>(1-A-2-B-3...) </a:t>
+            </a:r>
+          </a:p>
+          <a:p>
+            <a:pPr algn="ctr"/>
+            <a:endParaRPr lang="sv-SE" sz="1600" b="1" dirty="0">
+              <a:latin typeface="Times New Roman" panose="02020603050405020304" pitchFamily="18" charset="0"/>
+              <a:cs typeface="Times New Roman" panose="02020603050405020304" pitchFamily="18" charset="0"/>
+            </a:endParaRPr>
+          </a:p>
+          <a:p>
+            <a:pPr algn="ctr"/>
+            <a:r>
+              <a:rPr lang="sv-SE" sz="1600" b="1" dirty="0">
+                <a:latin typeface="Times New Roman" panose="02020603050405020304" pitchFamily="18" charset="0"/>
+                <a:cs typeface="Times New Roman" panose="02020603050405020304" pitchFamily="18" charset="0"/>
+              </a:rPr>
+              <a:t>På utsidan av varje cirkel sitter en kvadrat antingen till vänster, höger eller ovanför.</a:t>
+            </a:r>
+          </a:p>
+          <a:p>
+            <a:pPr algn="ctr"/>
+            <a:r>
+              <a:rPr lang="sv-SE" sz="1600" b="1" dirty="0">
+                <a:latin typeface="Times New Roman" panose="02020603050405020304" pitchFamily="18" charset="0"/>
+                <a:cs typeface="Times New Roman" panose="02020603050405020304" pitchFamily="18" charset="0"/>
+              </a:rPr>
+              <a:t>Svara på varje siffra eller bokstav på följande sätt:</a:t>
+            </a:r>
+            <a:endParaRPr lang="LID4096" sz="1600" dirty="0">
+              <a:latin typeface="Times New Roman" panose="02020603050405020304" pitchFamily="18" charset="0"/>
+              <a:cs typeface="Times New Roman" panose="02020603050405020304" pitchFamily="18" charset="0"/>
+            </a:endParaRPr>
+          </a:p>
+        </p:txBody>
+      </p:sp>
+      <p:sp>
+        <p:nvSpPr>
+          <p:cNvPr id="9" name="Rectangle 8">
+            <a:extLst>
+              <a:ext uri="{FF2B5EF4-FFF2-40B4-BE49-F238E27FC236}">
+                <a16:creationId xmlns:a16="http://schemas.microsoft.com/office/drawing/2014/main" id="{D742F2D0-C9CC-4E35-914E-268A788FB918}"/>
+              </a:ext>
+            </a:extLst>
+          </p:cNvPr>
+          <p:cNvSpPr/>
+          <p:nvPr/>
+        </p:nvSpPr>
+        <p:spPr>
+          <a:xfrm>
+            <a:off x="4367814" y="3406769"/>
+            <a:ext cx="3826275" cy="1666783"/>
+          </a:xfrm>
+          <a:prstGeom prst="rect">
+            <a:avLst/>
+          </a:prstGeom>
+          <a:ln>
+            <a:noFill/>
+          </a:ln>
+        </p:spPr>
+        <p:style>
+          <a:lnRef idx="2">
+            <a:schemeClr val="accent3"/>
+          </a:lnRef>
+          <a:fillRef idx="1">
+            <a:schemeClr val="lt1"/>
+          </a:fillRef>
+          <a:effectRef idx="0">
+            <a:schemeClr val="accent3"/>
+          </a:effectRef>
+          <a:fontRef idx="minor">
+            <a:schemeClr val="dk1"/>
+          </a:fontRef>
+        </p:style>
+        <p:txBody>
+          <a:bodyPr rtlCol="0" anchor="ctr"/>
+          <a:lstStyle/>
+          <a:p>
+            <a:pPr algn="ctr"/>
+            <a:endParaRPr lang="LID4096">
+              <a:latin typeface="Times New Roman" panose="02020603050405020304" pitchFamily="18" charset="0"/>
+              <a:cs typeface="Times New Roman" panose="02020603050405020304" pitchFamily="18" charset="0"/>
+            </a:endParaRPr>
+          </a:p>
+        </p:txBody>
+      </p:sp>
+      <p:sp>
+        <p:nvSpPr>
+          <p:cNvPr id="11" name="TextBox 10">
+            <a:extLst>
+              <a:ext uri="{FF2B5EF4-FFF2-40B4-BE49-F238E27FC236}">
+                <a16:creationId xmlns:a16="http://schemas.microsoft.com/office/drawing/2014/main" id="{DA929700-D333-4CF5-ADE2-C95AC39F0F72}"/>
+              </a:ext>
+            </a:extLst>
+          </p:cNvPr>
+          <p:cNvSpPr txBox="1"/>
+          <p:nvPr/>
+        </p:nvSpPr>
+        <p:spPr>
+          <a:xfrm>
+            <a:off x="4986531" y="3406769"/>
+            <a:ext cx="3648722" cy="1631216"/>
+          </a:xfrm>
+          <a:prstGeom prst="rect">
+            <a:avLst/>
+          </a:prstGeom>
+          <a:noFill/>
+        </p:spPr>
+        <p:txBody>
+          <a:bodyPr wrap="square" rtlCol="0">
+            <a:spAutoFit/>
+          </a:bodyPr>
+          <a:lstStyle/>
+          <a:p>
+            <a:r>
+              <a:rPr lang="sv-SE" sz="2000" b="1" dirty="0">
+                <a:latin typeface="Times New Roman" panose="02020603050405020304" pitchFamily="18" charset="0"/>
+                <a:cs typeface="Times New Roman" panose="02020603050405020304" pitchFamily="18" charset="0"/>
+              </a:rPr>
+              <a:t>om fyrkanten är till vänster</a:t>
+            </a:r>
+          </a:p>
+          <a:p>
+            <a:endParaRPr lang="sv-SE" sz="2000" b="1" dirty="0">
+              <a:latin typeface="Times New Roman" panose="02020603050405020304" pitchFamily="18" charset="0"/>
+              <a:cs typeface="Times New Roman" panose="02020603050405020304" pitchFamily="18" charset="0"/>
+            </a:endParaRPr>
+          </a:p>
+          <a:p>
+            <a:r>
+              <a:rPr lang="sv-SE" sz="2000" b="1" dirty="0">
+                <a:latin typeface="Times New Roman" panose="02020603050405020304" pitchFamily="18" charset="0"/>
+                <a:cs typeface="Times New Roman" panose="02020603050405020304" pitchFamily="18" charset="0"/>
+              </a:rPr>
+              <a:t>om fyrkanten är ovanför</a:t>
+            </a:r>
+          </a:p>
+          <a:p>
+            <a:endParaRPr lang="sv-SE" sz="2000" b="1" dirty="0">
+              <a:latin typeface="Times New Roman" panose="02020603050405020304" pitchFamily="18" charset="0"/>
+              <a:cs typeface="Times New Roman" panose="02020603050405020304" pitchFamily="18" charset="0"/>
+            </a:endParaRPr>
+          </a:p>
+          <a:p>
+            <a:r>
+              <a:rPr lang="sv-SE" sz="2000" b="1" dirty="0">
+                <a:latin typeface="Times New Roman" panose="02020603050405020304" pitchFamily="18" charset="0"/>
+                <a:cs typeface="Times New Roman" panose="02020603050405020304" pitchFamily="18" charset="0"/>
+              </a:rPr>
+              <a:t>om fyrkanten är till höger</a:t>
+            </a:r>
+          </a:p>
+        </p:txBody>
+      </p:sp>
+      <p:sp>
+        <p:nvSpPr>
+          <p:cNvPr id="2" name="Rectangle 1">
+            <a:extLst>
+              <a:ext uri="{FF2B5EF4-FFF2-40B4-BE49-F238E27FC236}">
+                <a16:creationId xmlns:a16="http://schemas.microsoft.com/office/drawing/2014/main" id="{5C881BD5-8F98-46AC-93F1-C01E5D32D54C}"/>
+              </a:ext>
+            </a:extLst>
+          </p:cNvPr>
+          <p:cNvSpPr/>
+          <p:nvPr/>
+        </p:nvSpPr>
+        <p:spPr>
+          <a:xfrm>
+            <a:off x="2716567" y="3296466"/>
+            <a:ext cx="1056443" cy="1741519"/>
+          </a:xfrm>
+          <a:prstGeom prst="rect">
+            <a:avLst/>
+          </a:prstGeom>
+          <a:ln>
+            <a:noFill/>
+          </a:ln>
+        </p:spPr>
+        <p:style>
+          <a:lnRef idx="2">
+            <a:schemeClr val="accent3"/>
+          </a:lnRef>
+          <a:fillRef idx="1">
+            <a:schemeClr val="lt1"/>
+          </a:fillRef>
+          <a:effectRef idx="0">
+            <a:schemeClr val="accent3"/>
+          </a:effectRef>
+          <a:fontRef idx="minor">
+            <a:schemeClr val="dk1"/>
+          </a:fontRef>
+        </p:style>
+        <p:txBody>
+          <a:bodyPr rtlCol="0" anchor="ctr"/>
+          <a:lstStyle/>
+          <a:p>
+            <a:pPr algn="ctr"/>
+            <a:endParaRPr lang="LID4096">
+              <a:latin typeface="Times New Roman" panose="02020603050405020304" pitchFamily="18" charset="0"/>
+              <a:cs typeface="Times New Roman" panose="02020603050405020304" pitchFamily="18" charset="0"/>
+            </a:endParaRPr>
+          </a:p>
+        </p:txBody>
+      </p:sp>
+      <p:sp>
+        <p:nvSpPr>
+          <p:cNvPr id="3" name="TextBox 2">
+            <a:extLst>
+              <a:ext uri="{FF2B5EF4-FFF2-40B4-BE49-F238E27FC236}">
+                <a16:creationId xmlns:a16="http://schemas.microsoft.com/office/drawing/2014/main" id="{CA0C95D2-BE62-4BAC-A207-1E7971905160}"/>
+              </a:ext>
+            </a:extLst>
+          </p:cNvPr>
+          <p:cNvSpPr txBox="1"/>
+          <p:nvPr/>
+        </p:nvSpPr>
+        <p:spPr>
+          <a:xfrm>
+            <a:off x="2645419" y="3381614"/>
+            <a:ext cx="1198738" cy="1631216"/>
+          </a:xfrm>
+          <a:prstGeom prst="rect">
+            <a:avLst/>
+          </a:prstGeom>
+          <a:noFill/>
+        </p:spPr>
+        <p:txBody>
+          <a:bodyPr wrap="square" rtlCol="0">
+            <a:spAutoFit/>
+          </a:bodyPr>
+          <a:lstStyle/>
+          <a:p>
+            <a:r>
+              <a:rPr lang="sv-SE" sz="2000" b="1" dirty="0">
+                <a:latin typeface="Times New Roman" panose="02020603050405020304" pitchFamily="18" charset="0"/>
+                <a:cs typeface="Times New Roman" panose="02020603050405020304" pitchFamily="18" charset="0"/>
+              </a:rPr>
+              <a:t>Tryck</a:t>
+            </a:r>
+          </a:p>
+          <a:p>
+            <a:endParaRPr lang="sv-SE" sz="2000" b="1" dirty="0">
+              <a:latin typeface="Times New Roman" panose="02020603050405020304" pitchFamily="18" charset="0"/>
+              <a:cs typeface="Times New Roman" panose="02020603050405020304" pitchFamily="18" charset="0"/>
+            </a:endParaRPr>
+          </a:p>
+          <a:p>
+            <a:r>
+              <a:rPr lang="sv-SE" sz="2000" b="1" dirty="0">
+                <a:latin typeface="Times New Roman" panose="02020603050405020304" pitchFamily="18" charset="0"/>
+                <a:cs typeface="Times New Roman" panose="02020603050405020304" pitchFamily="18" charset="0"/>
+              </a:rPr>
+              <a:t>Tryck</a:t>
+            </a:r>
+          </a:p>
+          <a:p>
+            <a:endParaRPr lang="sv-SE" sz="2000" b="1" dirty="0">
+              <a:latin typeface="Times New Roman" panose="02020603050405020304" pitchFamily="18" charset="0"/>
+              <a:cs typeface="Times New Roman" panose="02020603050405020304" pitchFamily="18" charset="0"/>
+            </a:endParaRPr>
+          </a:p>
+          <a:p>
+            <a:r>
+              <a:rPr lang="sv-SE" sz="2000" b="1" dirty="0">
+                <a:latin typeface="Times New Roman" panose="02020603050405020304" pitchFamily="18" charset="0"/>
+                <a:cs typeface="Times New Roman" panose="02020603050405020304" pitchFamily="18" charset="0"/>
+              </a:rPr>
+              <a:t>Tryck</a:t>
+            </a:r>
+            <a:endParaRPr lang="LID4096" sz="2000" b="1" dirty="0">
+              <a:latin typeface="Times New Roman" panose="02020603050405020304" pitchFamily="18" charset="0"/>
+              <a:cs typeface="Times New Roman" panose="02020603050405020304" pitchFamily="18" charset="0"/>
+            </a:endParaRPr>
+          </a:p>
+        </p:txBody>
+      </p:sp>
+      <p:pic>
+        <p:nvPicPr>
+          <p:cNvPr id="10" name="Picture 9">
+            <a:extLst>
+              <a:ext uri="{FF2B5EF4-FFF2-40B4-BE49-F238E27FC236}">
+                <a16:creationId xmlns:a16="http://schemas.microsoft.com/office/drawing/2014/main" id="{B4828B8F-F20B-4770-B7F2-E8ACF6A81B23}"/>
+              </a:ext>
+            </a:extLst>
+          </p:cNvPr>
+          <p:cNvPicPr>
+            <a:picLocks noChangeAspect="1"/>
+          </p:cNvPicPr>
+          <p:nvPr/>
+        </p:nvPicPr>
+        <p:blipFill>
+          <a:blip r:embed="rId3"/>
+          <a:stretch>
+            <a:fillRect/>
+          </a:stretch>
+        </p:blipFill>
+        <p:spPr>
+          <a:xfrm>
+            <a:off x="8100852" y="3211318"/>
+            <a:ext cx="1057423" cy="1952898"/>
+          </a:xfrm>
+          <a:prstGeom prst="rect">
+            <a:avLst/>
+          </a:prstGeom>
+        </p:spPr>
+      </p:pic>
+      <p:sp>
+        <p:nvSpPr>
+          <p:cNvPr id="12" name="TextBox 11">
+            <a:extLst>
+              <a:ext uri="{FF2B5EF4-FFF2-40B4-BE49-F238E27FC236}">
+                <a16:creationId xmlns:a16="http://schemas.microsoft.com/office/drawing/2014/main" id="{440C1165-1CDB-41AA-B4F2-F6A60CE02254}"/>
+              </a:ext>
+            </a:extLst>
+          </p:cNvPr>
+          <p:cNvSpPr txBox="1"/>
+          <p:nvPr/>
+        </p:nvSpPr>
+        <p:spPr>
+          <a:xfrm>
+            <a:off x="2536723" y="5172709"/>
+            <a:ext cx="7220958" cy="1754326"/>
+          </a:xfrm>
+          <a:prstGeom prst="rect">
+            <a:avLst/>
+          </a:prstGeom>
+          <a:noFill/>
+        </p:spPr>
+        <p:txBody>
+          <a:bodyPr wrap="square" rtlCol="0">
+            <a:spAutoFit/>
+          </a:bodyPr>
+          <a:lstStyle/>
+          <a:p>
+            <a:pPr algn="ctr"/>
+            <a:r>
+              <a:rPr lang="sv-SE" b="1" dirty="0">
+                <a:latin typeface="Times New Roman" panose="02020603050405020304" pitchFamily="18" charset="0"/>
+                <a:cs typeface="Times New Roman" panose="02020603050405020304" pitchFamily="18" charset="0"/>
+              </a:rPr>
+              <a:t>Om du trycker rätt ritas en linje och nästa cirkel blir grön.</a:t>
+            </a:r>
+          </a:p>
+          <a:p>
+            <a:pPr algn="ctr"/>
+            <a:r>
+              <a:rPr lang="sv-SE" b="1" dirty="0">
+                <a:latin typeface="Times New Roman" panose="02020603050405020304" pitchFamily="18" charset="0"/>
+                <a:cs typeface="Times New Roman" panose="02020603050405020304" pitchFamily="18" charset="0"/>
+              </a:rPr>
+              <a:t>Om du trycker fel blir den aktuella cirkeln röd tills du trycker rätt.</a:t>
+            </a:r>
+          </a:p>
+          <a:p>
+            <a:pPr algn="ctr"/>
+            <a:endParaRPr lang="sv-SE" b="1" dirty="0">
+              <a:latin typeface="Times New Roman" panose="02020603050405020304" pitchFamily="18" charset="0"/>
+              <a:cs typeface="Times New Roman" panose="02020603050405020304" pitchFamily="18" charset="0"/>
+            </a:endParaRPr>
+          </a:p>
+          <a:p>
+            <a:pPr algn="ctr"/>
+            <a:r>
+              <a:rPr lang="sv-SE" b="1" dirty="0">
+                <a:latin typeface="Times New Roman" panose="02020603050405020304" pitchFamily="18" charset="0"/>
+                <a:cs typeface="Times New Roman" panose="02020603050405020304" pitchFamily="18" charset="0"/>
+              </a:rPr>
+              <a:t>Var så SNABB och så EXAKT som möjligt.</a:t>
+            </a:r>
+          </a:p>
+          <a:p>
+            <a:pPr algn="ctr"/>
+            <a:r>
+              <a:rPr lang="sv-SE" b="1" dirty="0">
+                <a:latin typeface="Times New Roman" panose="02020603050405020304" pitchFamily="18" charset="0"/>
+                <a:cs typeface="Times New Roman" panose="02020603050405020304" pitchFamily="18" charset="0"/>
+              </a:rPr>
+              <a:t>Positionera dina fingrar ovanpå 1, 2 och 3 på tangentbordet och tryck sedan på valfri knapp när du är redo att starta.</a:t>
+            </a:r>
+          </a:p>
+        </p:txBody>
+      </p:sp>
+      <p:pic>
+        <p:nvPicPr>
+          <p:cNvPr id="13" name="Picture 12">
+            <a:extLst>
+              <a:ext uri="{FF2B5EF4-FFF2-40B4-BE49-F238E27FC236}">
+                <a16:creationId xmlns:a16="http://schemas.microsoft.com/office/drawing/2014/main" id="{31F6342B-1F38-43E4-B1B9-9321F709442E}"/>
+              </a:ext>
+            </a:extLst>
+          </p:cNvPr>
+          <p:cNvPicPr>
+            <a:picLocks noChangeAspect="1"/>
+          </p:cNvPicPr>
+          <p:nvPr/>
+        </p:nvPicPr>
+        <p:blipFill>
+          <a:blip r:embed="rId3"/>
+          <a:stretch>
+            <a:fillRect/>
+          </a:stretch>
+        </p:blipFill>
+        <p:spPr>
+          <a:xfrm>
+            <a:off x="9163964" y="3211318"/>
+            <a:ext cx="1057423" cy="1952898"/>
+          </a:xfrm>
+          <a:prstGeom prst="rect">
+            <a:avLst/>
+          </a:prstGeom>
+        </p:spPr>
+      </p:pic>
+      <p:pic>
+        <p:nvPicPr>
+          <p:cNvPr id="7" name="Picture 6">
+            <a:extLst>
+              <a:ext uri="{FF2B5EF4-FFF2-40B4-BE49-F238E27FC236}">
+                <a16:creationId xmlns:a16="http://schemas.microsoft.com/office/drawing/2014/main" id="{111A3C48-B591-AFE0-C591-68FCC6878A5C}"/>
+              </a:ext>
+            </a:extLst>
+          </p:cNvPr>
+          <p:cNvPicPr>
+            <a:picLocks noChangeAspect="1"/>
+          </p:cNvPicPr>
+          <p:nvPr/>
+        </p:nvPicPr>
+        <p:blipFill>
+          <a:blip r:embed="rId4"/>
+          <a:stretch>
+            <a:fillRect/>
+          </a:stretch>
+        </p:blipFill>
+        <p:spPr>
+          <a:xfrm>
+            <a:off x="9199194" y="3187732"/>
+            <a:ext cx="1047144" cy="1976484"/>
+          </a:xfrm>
+          <a:prstGeom prst="rect">
+            <a:avLst/>
+          </a:prstGeom>
+        </p:spPr>
+      </p:pic>
+    </p:spTree>
+    <p:extLst>
+      <p:ext uri="{BB962C8B-B14F-4D97-AF65-F5344CB8AC3E}">
+        <p14:creationId xmlns:p14="http://schemas.microsoft.com/office/powerpoint/2010/main" val="2490520431"/>
+      </p:ext>
+    </p:extLst>
+  </p:cSld>
+  <p:clrMapOvr>
+    <a:masterClrMapping/>
+  </p:clrMapOvr>
+</p:sld>
+</file>
+
+<file path=ppt/slides/slide15.xml><?xml version="1.0" encoding="utf-8"?>
 <p:sld xmlns:a="http://schemas.openxmlformats.org/drawingml/2006/main" xmlns:r="http://schemas.openxmlformats.org/officeDocument/2006/relationships" xmlns:p="http://schemas.openxmlformats.org/presentationml/2006/main">
   <p:cSld>
     <p:spTree>
@@ -9960,8 +10709,8 @@
           </a:prstGeom>
         </p:spPr>
       </p:pic>
-      <mc:AlternateContent xmlns:mc="http://schemas.openxmlformats.org/markup-compatibility/2006">
-        <mc:Choice xmlns:p14="http://schemas.microsoft.com/office/powerpoint/2010/main" Requires="p14">
+      <mc:AlternateContent xmlns:mc="http://schemas.openxmlformats.org/markup-compatibility/2006" xmlns:p14="http://schemas.microsoft.com/office/powerpoint/2010/main">
+        <mc:Choice Requires="p14">
           <p:contentPart p14:bwMode="auto" r:id="rId4">
             <p14:nvContentPartPr>
               <p14:cNvPr id="21" name="Ink 20">
@@ -9980,7 +10729,7 @@
             </p14:xfrm>
           </p:contentPart>
         </mc:Choice>
-        <mc:Fallback>
+        <mc:Fallback xmlns="">
           <p:pic>
             <p:nvPicPr>
               <p:cNvPr id="21" name="Ink 20">
@@ -10011,8 +10760,8 @@
           </p:pic>
         </mc:Fallback>
       </mc:AlternateContent>
-      <mc:AlternateContent xmlns:mc="http://schemas.openxmlformats.org/markup-compatibility/2006">
-        <mc:Choice xmlns:p14="http://schemas.microsoft.com/office/powerpoint/2010/main" Requires="p14">
+      <mc:AlternateContent xmlns:mc="http://schemas.openxmlformats.org/markup-compatibility/2006" xmlns:p14="http://schemas.microsoft.com/office/powerpoint/2010/main">
+        <mc:Choice Requires="p14">
           <p:contentPart p14:bwMode="auto" r:id="rId6">
             <p14:nvContentPartPr>
               <p14:cNvPr id="22" name="Ink 21">
@@ -10031,7 +10780,7 @@
             </p14:xfrm>
           </p:contentPart>
         </mc:Choice>
-        <mc:Fallback>
+        <mc:Fallback xmlns="">
           <p:pic>
             <p:nvPicPr>
               <p:cNvPr id="22" name="Ink 21">
@@ -10062,8 +10811,8 @@
           </p:pic>
         </mc:Fallback>
       </mc:AlternateContent>
-      <mc:AlternateContent xmlns:mc="http://schemas.openxmlformats.org/markup-compatibility/2006">
-        <mc:Choice xmlns:p14="http://schemas.microsoft.com/office/powerpoint/2010/main" Requires="p14">
+      <mc:AlternateContent xmlns:mc="http://schemas.openxmlformats.org/markup-compatibility/2006" xmlns:p14="http://schemas.microsoft.com/office/powerpoint/2010/main">
+        <mc:Choice Requires="p14">
           <p:contentPart p14:bwMode="auto" r:id="rId8">
             <p14:nvContentPartPr>
               <p14:cNvPr id="23" name="Ink 22">
@@ -10082,7 +10831,7 @@
             </p14:xfrm>
           </p:contentPart>
         </mc:Choice>
-        <mc:Fallback>
+        <mc:Fallback xmlns="">
           <p:pic>
             <p:nvPicPr>
               <p:cNvPr id="23" name="Ink 22">
@@ -10113,8 +10862,8 @@
           </p:pic>
         </mc:Fallback>
       </mc:AlternateContent>
-      <mc:AlternateContent xmlns:mc="http://schemas.openxmlformats.org/markup-compatibility/2006">
-        <mc:Choice xmlns:p14="http://schemas.microsoft.com/office/powerpoint/2010/main" Requires="p14">
+      <mc:AlternateContent xmlns:mc="http://schemas.openxmlformats.org/markup-compatibility/2006" xmlns:p14="http://schemas.microsoft.com/office/powerpoint/2010/main">
+        <mc:Choice Requires="p14">
           <p:contentPart p14:bwMode="auto" r:id="rId10">
             <p14:nvContentPartPr>
               <p14:cNvPr id="24" name="Ink 23">
@@ -10133,7 +10882,7 @@
             </p14:xfrm>
           </p:contentPart>
         </mc:Choice>
-        <mc:Fallback>
+        <mc:Fallback xmlns="">
           <p:pic>
             <p:nvPicPr>
               <p:cNvPr id="24" name="Ink 23">
@@ -10748,8 +11497,8 @@
           </a:prstGeom>
         </p:spPr>
       </p:pic>
-      <mc:AlternateContent xmlns:mc="http://schemas.openxmlformats.org/markup-compatibility/2006">
-        <mc:Choice xmlns:p14="http://schemas.microsoft.com/office/powerpoint/2010/main" Requires="p14">
+      <mc:AlternateContent xmlns:mc="http://schemas.openxmlformats.org/markup-compatibility/2006" xmlns:p14="http://schemas.microsoft.com/office/powerpoint/2010/main">
+        <mc:Choice Requires="p14">
           <p:contentPart p14:bwMode="auto" r:id="rId4">
             <p14:nvContentPartPr>
               <p14:cNvPr id="14" name="Ink 13">
@@ -10768,7 +11517,7 @@
             </p14:xfrm>
           </p:contentPart>
         </mc:Choice>
-        <mc:Fallback>
+        <mc:Fallback xmlns="">
           <p:pic>
             <p:nvPicPr>
               <p:cNvPr id="14" name="Ink 13">
@@ -10799,8 +11548,8 @@
           </p:pic>
         </mc:Fallback>
       </mc:AlternateContent>
-      <mc:AlternateContent xmlns:mc="http://schemas.openxmlformats.org/markup-compatibility/2006">
-        <mc:Choice xmlns:p14="http://schemas.microsoft.com/office/powerpoint/2010/main" Requires="p14">
+      <mc:AlternateContent xmlns:mc="http://schemas.openxmlformats.org/markup-compatibility/2006" xmlns:p14="http://schemas.microsoft.com/office/powerpoint/2010/main">
+        <mc:Choice Requires="p14">
           <p:contentPart p14:bwMode="auto" r:id="rId6">
             <p14:nvContentPartPr>
               <p14:cNvPr id="15" name="Ink 14">
@@ -10819,7 +11568,7 @@
             </p14:xfrm>
           </p:contentPart>
         </mc:Choice>
-        <mc:Fallback>
+        <mc:Fallback xmlns="">
           <p:pic>
             <p:nvPicPr>
               <p:cNvPr id="15" name="Ink 14">
@@ -10850,8 +11599,8 @@
           </p:pic>
         </mc:Fallback>
       </mc:AlternateContent>
-      <mc:AlternateContent xmlns:mc="http://schemas.openxmlformats.org/markup-compatibility/2006">
-        <mc:Choice xmlns:p14="http://schemas.microsoft.com/office/powerpoint/2010/main" Requires="p14">
+      <mc:AlternateContent xmlns:mc="http://schemas.openxmlformats.org/markup-compatibility/2006" xmlns:p14="http://schemas.microsoft.com/office/powerpoint/2010/main">
+        <mc:Choice Requires="p14">
           <p:contentPart p14:bwMode="auto" r:id="rId8">
             <p14:nvContentPartPr>
               <p14:cNvPr id="16" name="Ink 15">
@@ -10870,7 +11619,7 @@
             </p14:xfrm>
           </p:contentPart>
         </mc:Choice>
-        <mc:Fallback>
+        <mc:Fallback xmlns="">
           <p:pic>
             <p:nvPicPr>
               <p:cNvPr id="16" name="Ink 15">
@@ -10901,8 +11650,8 @@
           </p:pic>
         </mc:Fallback>
       </mc:AlternateContent>
-      <mc:AlternateContent xmlns:mc="http://schemas.openxmlformats.org/markup-compatibility/2006">
-        <mc:Choice xmlns:p14="http://schemas.microsoft.com/office/powerpoint/2010/main" Requires="p14">
+      <mc:AlternateContent xmlns:mc="http://schemas.openxmlformats.org/markup-compatibility/2006" xmlns:p14="http://schemas.microsoft.com/office/powerpoint/2010/main">
+        <mc:Choice Requires="p14">
           <p:contentPart p14:bwMode="auto" r:id="rId10">
             <p14:nvContentPartPr>
               <p14:cNvPr id="17" name="Ink 16">
@@ -10921,7 +11670,7 @@
             </p14:xfrm>
           </p:contentPart>
         </mc:Choice>
-        <mc:Fallback>
+        <mc:Fallback xmlns="">
           <p:pic>
             <p:nvPicPr>
               <p:cNvPr id="17" name="Ink 16">
